--- a/ОП.04 Основы алгоритмизации и программирования/Лекции/Лекция 8 (Методы сортировки).pptx
+++ b/ОП.04 Основы алгоритмизации и программирования/Лекции/Лекция 8 (Методы сортировки).pptx
@@ -225,7 +225,7 @@
             <a:fld id="{FA8E5B5C-2F78-4226-81F3-3B2C4CFA0113}" type="datetimeFigureOut">
               <a:rPr lang="ru-RU" smtClean="0"/>
               <a:pPr/>
-              <a:t>10.11.2021</a:t>
+              <a:t>24.05.2023</a:t>
             </a:fld>
             <a:endParaRPr lang="ru-RU"/>
           </a:p>
@@ -291,38 +291,37 @@
           <a:p>
             <a:pPr lvl="0"/>
             <a:r>
-              <a:rPr lang="ru-RU" smtClean="0"/>
+              <a:rPr lang="ru-RU"/>
               <a:t>Образец текста</a:t>
             </a:r>
           </a:p>
           <a:p>
             <a:pPr lvl="1"/>
             <a:r>
-              <a:rPr lang="ru-RU" smtClean="0"/>
+              <a:rPr lang="ru-RU"/>
               <a:t>Второй уровень</a:t>
             </a:r>
           </a:p>
           <a:p>
             <a:pPr lvl="2"/>
             <a:r>
-              <a:rPr lang="ru-RU" smtClean="0"/>
+              <a:rPr lang="ru-RU"/>
               <a:t>Третий уровень</a:t>
             </a:r>
           </a:p>
           <a:p>
             <a:pPr lvl="3"/>
             <a:r>
-              <a:rPr lang="ru-RU" smtClean="0"/>
+              <a:rPr lang="ru-RU"/>
               <a:t>Четвертый уровень</a:t>
             </a:r>
           </a:p>
           <a:p>
             <a:pPr lvl="4"/>
             <a:r>
-              <a:rPr lang="ru-RU" smtClean="0"/>
+              <a:rPr lang="ru-RU"/>
               <a:t>Пятый уровень</a:t>
             </a:r>
-            <a:endParaRPr lang="ru-RU"/>
           </a:p>
         </p:txBody>
       </p:sp>
@@ -616,10 +615,9 @@
           <a:lstStyle/>
           <a:p>
             <a:r>
-              <a:rPr lang="ru-RU" smtClean="0"/>
+              <a:rPr lang="ru-RU"/>
               <a:t>Образец заголовка</a:t>
             </a:r>
-            <a:endParaRPr lang="ru-RU"/>
           </a:p>
         </p:txBody>
       </p:sp>
@@ -735,10 +733,9 @@
           </a:lstStyle>
           <a:p>
             <a:r>
-              <a:rPr lang="ru-RU" smtClean="0"/>
+              <a:rPr lang="ru-RU"/>
               <a:t>Образец подзаголовка</a:t>
             </a:r>
-            <a:endParaRPr lang="ru-RU"/>
           </a:p>
         </p:txBody>
       </p:sp>
@@ -760,7 +757,7 @@
             <a:fld id="{B4C71EC6-210F-42DE-9C53-41977AD35B3D}" type="datetimeFigureOut">
               <a:rPr lang="ru-RU" smtClean="0"/>
               <a:pPr/>
-              <a:t>10.11.2021</a:t>
+              <a:t>24.05.2023</a:t>
             </a:fld>
             <a:endParaRPr lang="ru-RU"/>
           </a:p>
@@ -850,10 +847,9 @@
           <a:lstStyle/>
           <a:p>
             <a:r>
-              <a:rPr lang="ru-RU" smtClean="0"/>
+              <a:rPr lang="ru-RU"/>
               <a:t>Образец заголовка</a:t>
             </a:r>
-            <a:endParaRPr lang="ru-RU"/>
           </a:p>
         </p:txBody>
       </p:sp>
@@ -874,38 +870,37 @@
           <a:p>
             <a:pPr lvl="0"/>
             <a:r>
-              <a:rPr lang="ru-RU" smtClean="0"/>
+              <a:rPr lang="ru-RU"/>
               <a:t>Образец текста</a:t>
             </a:r>
           </a:p>
           <a:p>
             <a:pPr lvl="1"/>
             <a:r>
-              <a:rPr lang="ru-RU" smtClean="0"/>
+              <a:rPr lang="ru-RU"/>
               <a:t>Второй уровень</a:t>
             </a:r>
           </a:p>
           <a:p>
             <a:pPr lvl="2"/>
             <a:r>
-              <a:rPr lang="ru-RU" smtClean="0"/>
+              <a:rPr lang="ru-RU"/>
               <a:t>Третий уровень</a:t>
             </a:r>
           </a:p>
           <a:p>
             <a:pPr lvl="3"/>
             <a:r>
-              <a:rPr lang="ru-RU" smtClean="0"/>
+              <a:rPr lang="ru-RU"/>
               <a:t>Четвертый уровень</a:t>
             </a:r>
           </a:p>
           <a:p>
             <a:pPr lvl="4"/>
             <a:r>
-              <a:rPr lang="ru-RU" smtClean="0"/>
+              <a:rPr lang="ru-RU"/>
               <a:t>Пятый уровень</a:t>
             </a:r>
-            <a:endParaRPr lang="ru-RU"/>
           </a:p>
         </p:txBody>
       </p:sp>
@@ -927,7 +922,7 @@
             <a:fld id="{B4C71EC6-210F-42DE-9C53-41977AD35B3D}" type="datetimeFigureOut">
               <a:rPr lang="ru-RU" smtClean="0"/>
               <a:pPr/>
-              <a:t>10.11.2021</a:t>
+              <a:t>24.05.2023</a:t>
             </a:fld>
             <a:endParaRPr lang="ru-RU"/>
           </a:p>
@@ -1022,10 +1017,9 @@
           <a:lstStyle/>
           <a:p>
             <a:r>
-              <a:rPr lang="ru-RU" smtClean="0"/>
+              <a:rPr lang="ru-RU"/>
               <a:t>Образец заголовка</a:t>
             </a:r>
-            <a:endParaRPr lang="ru-RU"/>
           </a:p>
         </p:txBody>
       </p:sp>
@@ -1051,38 +1045,37 @@
           <a:p>
             <a:pPr lvl="0"/>
             <a:r>
-              <a:rPr lang="ru-RU" smtClean="0"/>
+              <a:rPr lang="ru-RU"/>
               <a:t>Образец текста</a:t>
             </a:r>
           </a:p>
           <a:p>
             <a:pPr lvl="1"/>
             <a:r>
-              <a:rPr lang="ru-RU" smtClean="0"/>
+              <a:rPr lang="ru-RU"/>
               <a:t>Второй уровень</a:t>
             </a:r>
           </a:p>
           <a:p>
             <a:pPr lvl="2"/>
             <a:r>
-              <a:rPr lang="ru-RU" smtClean="0"/>
+              <a:rPr lang="ru-RU"/>
               <a:t>Третий уровень</a:t>
             </a:r>
           </a:p>
           <a:p>
             <a:pPr lvl="3"/>
             <a:r>
-              <a:rPr lang="ru-RU" smtClean="0"/>
+              <a:rPr lang="ru-RU"/>
               <a:t>Четвертый уровень</a:t>
             </a:r>
           </a:p>
           <a:p>
             <a:pPr lvl="4"/>
             <a:r>
-              <a:rPr lang="ru-RU" smtClean="0"/>
+              <a:rPr lang="ru-RU"/>
               <a:t>Пятый уровень</a:t>
             </a:r>
-            <a:endParaRPr lang="ru-RU"/>
           </a:p>
         </p:txBody>
       </p:sp>
@@ -1104,7 +1097,7 @@
             <a:fld id="{B4C71EC6-210F-42DE-9C53-41977AD35B3D}" type="datetimeFigureOut">
               <a:rPr lang="ru-RU" smtClean="0"/>
               <a:pPr/>
-              <a:t>10.11.2021</a:t>
+              <a:t>24.05.2023</a:t>
             </a:fld>
             <a:endParaRPr lang="ru-RU"/>
           </a:p>
@@ -1194,10 +1187,9 @@
           <a:lstStyle/>
           <a:p>
             <a:r>
-              <a:rPr lang="ru-RU" smtClean="0"/>
+              <a:rPr lang="ru-RU"/>
               <a:t>Образец заголовка</a:t>
             </a:r>
-            <a:endParaRPr lang="ru-RU"/>
           </a:p>
         </p:txBody>
       </p:sp>
@@ -1218,38 +1210,37 @@
           <a:p>
             <a:pPr lvl="0"/>
             <a:r>
-              <a:rPr lang="ru-RU" smtClean="0"/>
+              <a:rPr lang="ru-RU"/>
               <a:t>Образец текста</a:t>
             </a:r>
           </a:p>
           <a:p>
             <a:pPr lvl="1"/>
             <a:r>
-              <a:rPr lang="ru-RU" smtClean="0"/>
+              <a:rPr lang="ru-RU"/>
               <a:t>Второй уровень</a:t>
             </a:r>
           </a:p>
           <a:p>
             <a:pPr lvl="2"/>
             <a:r>
-              <a:rPr lang="ru-RU" smtClean="0"/>
+              <a:rPr lang="ru-RU"/>
               <a:t>Третий уровень</a:t>
             </a:r>
           </a:p>
           <a:p>
             <a:pPr lvl="3"/>
             <a:r>
-              <a:rPr lang="ru-RU" smtClean="0"/>
+              <a:rPr lang="ru-RU"/>
               <a:t>Четвертый уровень</a:t>
             </a:r>
           </a:p>
           <a:p>
             <a:pPr lvl="4"/>
             <a:r>
-              <a:rPr lang="ru-RU" smtClean="0"/>
+              <a:rPr lang="ru-RU"/>
               <a:t>Пятый уровень</a:t>
             </a:r>
-            <a:endParaRPr lang="ru-RU"/>
           </a:p>
         </p:txBody>
       </p:sp>
@@ -1271,7 +1262,7 @@
             <a:fld id="{B4C71EC6-210F-42DE-9C53-41977AD35B3D}" type="datetimeFigureOut">
               <a:rPr lang="ru-RU" smtClean="0"/>
               <a:pPr/>
-              <a:t>10.11.2021</a:t>
+              <a:t>24.05.2023</a:t>
             </a:fld>
             <a:endParaRPr lang="ru-RU"/>
           </a:p>
@@ -1370,10 +1361,9 @@
           </a:lstStyle>
           <a:p>
             <a:r>
-              <a:rPr lang="ru-RU" smtClean="0"/>
+              <a:rPr lang="ru-RU"/>
               <a:t>Образец заголовка</a:t>
             </a:r>
-            <a:endParaRPr lang="ru-RU"/>
           </a:p>
         </p:txBody>
       </p:sp>
@@ -1490,7 +1480,7 @@
           <a:p>
             <a:pPr lvl="0"/>
             <a:r>
-              <a:rPr lang="ru-RU" smtClean="0"/>
+              <a:rPr lang="ru-RU"/>
               <a:t>Образец текста</a:t>
             </a:r>
           </a:p>
@@ -1514,7 +1504,7 @@
             <a:fld id="{B4C71EC6-210F-42DE-9C53-41977AD35B3D}" type="datetimeFigureOut">
               <a:rPr lang="ru-RU" smtClean="0"/>
               <a:pPr/>
-              <a:t>10.11.2021</a:t>
+              <a:t>24.05.2023</a:t>
             </a:fld>
             <a:endParaRPr lang="ru-RU"/>
           </a:p>
@@ -1604,10 +1594,9 @@
           <a:lstStyle/>
           <a:p>
             <a:r>
-              <a:rPr lang="ru-RU" smtClean="0"/>
+              <a:rPr lang="ru-RU"/>
               <a:t>Образец заголовка</a:t>
             </a:r>
-            <a:endParaRPr lang="ru-RU"/>
           </a:p>
         </p:txBody>
       </p:sp>
@@ -1661,38 +1650,37 @@
           <a:p>
             <a:pPr lvl="0"/>
             <a:r>
-              <a:rPr lang="ru-RU" smtClean="0"/>
+              <a:rPr lang="ru-RU"/>
               <a:t>Образец текста</a:t>
             </a:r>
           </a:p>
           <a:p>
             <a:pPr lvl="1"/>
             <a:r>
-              <a:rPr lang="ru-RU" smtClean="0"/>
+              <a:rPr lang="ru-RU"/>
               <a:t>Второй уровень</a:t>
             </a:r>
           </a:p>
           <a:p>
             <a:pPr lvl="2"/>
             <a:r>
-              <a:rPr lang="ru-RU" smtClean="0"/>
+              <a:rPr lang="ru-RU"/>
               <a:t>Третий уровень</a:t>
             </a:r>
           </a:p>
           <a:p>
             <a:pPr lvl="3"/>
             <a:r>
-              <a:rPr lang="ru-RU" smtClean="0"/>
+              <a:rPr lang="ru-RU"/>
               <a:t>Четвертый уровень</a:t>
             </a:r>
           </a:p>
           <a:p>
             <a:pPr lvl="4"/>
             <a:r>
-              <a:rPr lang="ru-RU" smtClean="0"/>
+              <a:rPr lang="ru-RU"/>
               <a:t>Пятый уровень</a:t>
             </a:r>
-            <a:endParaRPr lang="ru-RU"/>
           </a:p>
         </p:txBody>
       </p:sp>
@@ -1746,38 +1734,37 @@
           <a:p>
             <a:pPr lvl="0"/>
             <a:r>
-              <a:rPr lang="ru-RU" smtClean="0"/>
+              <a:rPr lang="ru-RU"/>
               <a:t>Образец текста</a:t>
             </a:r>
           </a:p>
           <a:p>
             <a:pPr lvl="1"/>
             <a:r>
-              <a:rPr lang="ru-RU" smtClean="0"/>
+              <a:rPr lang="ru-RU"/>
               <a:t>Второй уровень</a:t>
             </a:r>
           </a:p>
           <a:p>
             <a:pPr lvl="2"/>
             <a:r>
-              <a:rPr lang="ru-RU" smtClean="0"/>
+              <a:rPr lang="ru-RU"/>
               <a:t>Третий уровень</a:t>
             </a:r>
           </a:p>
           <a:p>
             <a:pPr lvl="3"/>
             <a:r>
-              <a:rPr lang="ru-RU" smtClean="0"/>
+              <a:rPr lang="ru-RU"/>
               <a:t>Четвертый уровень</a:t>
             </a:r>
           </a:p>
           <a:p>
             <a:pPr lvl="4"/>
             <a:r>
-              <a:rPr lang="ru-RU" smtClean="0"/>
+              <a:rPr lang="ru-RU"/>
               <a:t>Пятый уровень</a:t>
             </a:r>
-            <a:endParaRPr lang="ru-RU"/>
           </a:p>
         </p:txBody>
       </p:sp>
@@ -1799,7 +1786,7 @@
             <a:fld id="{B4C71EC6-210F-42DE-9C53-41977AD35B3D}" type="datetimeFigureOut">
               <a:rPr lang="ru-RU" smtClean="0"/>
               <a:pPr/>
-              <a:t>10.11.2021</a:t>
+              <a:t>24.05.2023</a:t>
             </a:fld>
             <a:endParaRPr lang="ru-RU"/>
           </a:p>
@@ -1893,10 +1880,9 @@
           </a:lstStyle>
           <a:p>
             <a:r>
-              <a:rPr lang="ru-RU" smtClean="0"/>
+              <a:rPr lang="ru-RU"/>
               <a:t>Образец заголовка</a:t>
             </a:r>
-            <a:endParaRPr lang="ru-RU"/>
           </a:p>
         </p:txBody>
       </p:sp>
@@ -1959,7 +1945,7 @@
           <a:p>
             <a:pPr lvl="0"/>
             <a:r>
-              <a:rPr lang="ru-RU" smtClean="0"/>
+              <a:rPr lang="ru-RU"/>
               <a:t>Образец текста</a:t>
             </a:r>
           </a:p>
@@ -2015,38 +2001,37 @@
           <a:p>
             <a:pPr lvl="0"/>
             <a:r>
-              <a:rPr lang="ru-RU" smtClean="0"/>
+              <a:rPr lang="ru-RU"/>
               <a:t>Образец текста</a:t>
             </a:r>
           </a:p>
           <a:p>
             <a:pPr lvl="1"/>
             <a:r>
-              <a:rPr lang="ru-RU" smtClean="0"/>
+              <a:rPr lang="ru-RU"/>
               <a:t>Второй уровень</a:t>
             </a:r>
           </a:p>
           <a:p>
             <a:pPr lvl="2"/>
             <a:r>
-              <a:rPr lang="ru-RU" smtClean="0"/>
+              <a:rPr lang="ru-RU"/>
               <a:t>Третий уровень</a:t>
             </a:r>
           </a:p>
           <a:p>
             <a:pPr lvl="3"/>
             <a:r>
-              <a:rPr lang="ru-RU" smtClean="0"/>
+              <a:rPr lang="ru-RU"/>
               <a:t>Четвертый уровень</a:t>
             </a:r>
           </a:p>
           <a:p>
             <a:pPr lvl="4"/>
             <a:r>
-              <a:rPr lang="ru-RU" smtClean="0"/>
+              <a:rPr lang="ru-RU"/>
               <a:t>Пятый уровень</a:t>
             </a:r>
-            <a:endParaRPr lang="ru-RU"/>
           </a:p>
         </p:txBody>
       </p:sp>
@@ -2109,7 +2094,7 @@
           <a:p>
             <a:pPr lvl="0"/>
             <a:r>
-              <a:rPr lang="ru-RU" smtClean="0"/>
+              <a:rPr lang="ru-RU"/>
               <a:t>Образец текста</a:t>
             </a:r>
           </a:p>
@@ -2165,38 +2150,37 @@
           <a:p>
             <a:pPr lvl="0"/>
             <a:r>
-              <a:rPr lang="ru-RU" smtClean="0"/>
+              <a:rPr lang="ru-RU"/>
               <a:t>Образец текста</a:t>
             </a:r>
           </a:p>
           <a:p>
             <a:pPr lvl="1"/>
             <a:r>
-              <a:rPr lang="ru-RU" smtClean="0"/>
+              <a:rPr lang="ru-RU"/>
               <a:t>Второй уровень</a:t>
             </a:r>
           </a:p>
           <a:p>
             <a:pPr lvl="2"/>
             <a:r>
-              <a:rPr lang="ru-RU" smtClean="0"/>
+              <a:rPr lang="ru-RU"/>
               <a:t>Третий уровень</a:t>
             </a:r>
           </a:p>
           <a:p>
             <a:pPr lvl="3"/>
             <a:r>
-              <a:rPr lang="ru-RU" smtClean="0"/>
+              <a:rPr lang="ru-RU"/>
               <a:t>Четвертый уровень</a:t>
             </a:r>
           </a:p>
           <a:p>
             <a:pPr lvl="4"/>
             <a:r>
-              <a:rPr lang="ru-RU" smtClean="0"/>
+              <a:rPr lang="ru-RU"/>
               <a:t>Пятый уровень</a:t>
             </a:r>
-            <a:endParaRPr lang="ru-RU"/>
           </a:p>
         </p:txBody>
       </p:sp>
@@ -2218,7 +2202,7 @@
             <a:fld id="{B4C71EC6-210F-42DE-9C53-41977AD35B3D}" type="datetimeFigureOut">
               <a:rPr lang="ru-RU" smtClean="0"/>
               <a:pPr/>
-              <a:t>10.11.2021</a:t>
+              <a:t>24.05.2023</a:t>
             </a:fld>
             <a:endParaRPr lang="ru-RU"/>
           </a:p>
@@ -2308,10 +2292,9 @@
           <a:lstStyle/>
           <a:p>
             <a:r>
-              <a:rPr lang="ru-RU" smtClean="0"/>
+              <a:rPr lang="ru-RU"/>
               <a:t>Образец заголовка</a:t>
             </a:r>
-            <a:endParaRPr lang="ru-RU"/>
           </a:p>
         </p:txBody>
       </p:sp>
@@ -2333,7 +2316,7 @@
             <a:fld id="{B4C71EC6-210F-42DE-9C53-41977AD35B3D}" type="datetimeFigureOut">
               <a:rPr lang="ru-RU" smtClean="0"/>
               <a:pPr/>
-              <a:t>10.11.2021</a:t>
+              <a:t>24.05.2023</a:t>
             </a:fld>
             <a:endParaRPr lang="ru-RU"/>
           </a:p>
@@ -2425,7 +2408,7 @@
             <a:fld id="{B4C71EC6-210F-42DE-9C53-41977AD35B3D}" type="datetimeFigureOut">
               <a:rPr lang="ru-RU" smtClean="0"/>
               <a:pPr/>
-              <a:t>10.11.2021</a:t>
+              <a:t>24.05.2023</a:t>
             </a:fld>
             <a:endParaRPr lang="ru-RU"/>
           </a:p>
@@ -2524,10 +2507,9 @@
           </a:lstStyle>
           <a:p>
             <a:r>
-              <a:rPr lang="ru-RU" smtClean="0"/>
+              <a:rPr lang="ru-RU"/>
               <a:t>Образец заголовка</a:t>
             </a:r>
-            <a:endParaRPr lang="ru-RU"/>
           </a:p>
         </p:txBody>
       </p:sp>
@@ -2581,38 +2563,37 @@
           <a:p>
             <a:pPr lvl="0"/>
             <a:r>
-              <a:rPr lang="ru-RU" smtClean="0"/>
+              <a:rPr lang="ru-RU"/>
               <a:t>Образец текста</a:t>
             </a:r>
           </a:p>
           <a:p>
             <a:pPr lvl="1"/>
             <a:r>
-              <a:rPr lang="ru-RU" smtClean="0"/>
+              <a:rPr lang="ru-RU"/>
               <a:t>Второй уровень</a:t>
             </a:r>
           </a:p>
           <a:p>
             <a:pPr lvl="2"/>
             <a:r>
-              <a:rPr lang="ru-RU" smtClean="0"/>
+              <a:rPr lang="ru-RU"/>
               <a:t>Третий уровень</a:t>
             </a:r>
           </a:p>
           <a:p>
             <a:pPr lvl="3"/>
             <a:r>
-              <a:rPr lang="ru-RU" smtClean="0"/>
+              <a:rPr lang="ru-RU"/>
               <a:t>Четвертый уровень</a:t>
             </a:r>
           </a:p>
           <a:p>
             <a:pPr lvl="4"/>
             <a:r>
-              <a:rPr lang="ru-RU" smtClean="0"/>
+              <a:rPr lang="ru-RU"/>
               <a:t>Пятый уровень</a:t>
             </a:r>
-            <a:endParaRPr lang="ru-RU"/>
           </a:p>
         </p:txBody>
       </p:sp>
@@ -2675,7 +2656,7 @@
           <a:p>
             <a:pPr lvl="0"/>
             <a:r>
-              <a:rPr lang="ru-RU" smtClean="0"/>
+              <a:rPr lang="ru-RU"/>
               <a:t>Образец текста</a:t>
             </a:r>
           </a:p>
@@ -2699,7 +2680,7 @@
             <a:fld id="{B4C71EC6-210F-42DE-9C53-41977AD35B3D}" type="datetimeFigureOut">
               <a:rPr lang="ru-RU" smtClean="0"/>
               <a:pPr/>
-              <a:t>10.11.2021</a:t>
+              <a:t>24.05.2023</a:t>
             </a:fld>
             <a:endParaRPr lang="ru-RU"/>
           </a:p>
@@ -2798,10 +2779,9 @@
           </a:lstStyle>
           <a:p>
             <a:r>
-              <a:rPr lang="ru-RU" smtClean="0"/>
+              <a:rPr lang="ru-RU"/>
               <a:t>Образец заголовка</a:t>
             </a:r>
-            <a:endParaRPr lang="ru-RU"/>
           </a:p>
         </p:txBody>
       </p:sp>
@@ -2925,7 +2905,7 @@
           <a:p>
             <a:pPr lvl="0"/>
             <a:r>
-              <a:rPr lang="ru-RU" smtClean="0"/>
+              <a:rPr lang="ru-RU"/>
               <a:t>Образец текста</a:t>
             </a:r>
           </a:p>
@@ -2949,7 +2929,7 @@
             <a:fld id="{B4C71EC6-210F-42DE-9C53-41977AD35B3D}" type="datetimeFigureOut">
               <a:rPr lang="ru-RU" smtClean="0"/>
               <a:pPr/>
-              <a:t>10.11.2021</a:t>
+              <a:t>24.05.2023</a:t>
             </a:fld>
             <a:endParaRPr lang="ru-RU"/>
           </a:p>
@@ -3063,10 +3043,9 @@
           <a:lstStyle/>
           <a:p>
             <a:r>
-              <a:rPr lang="ru-RU" smtClean="0"/>
+              <a:rPr lang="ru-RU"/>
               <a:t>Образец заголовка</a:t>
             </a:r>
-            <a:endParaRPr lang="ru-RU"/>
           </a:p>
         </p:txBody>
       </p:sp>
@@ -3097,38 +3076,37 @@
           <a:p>
             <a:pPr lvl="0"/>
             <a:r>
-              <a:rPr lang="ru-RU" smtClean="0"/>
+              <a:rPr lang="ru-RU"/>
               <a:t>Образец текста</a:t>
             </a:r>
           </a:p>
           <a:p>
             <a:pPr lvl="1"/>
             <a:r>
-              <a:rPr lang="ru-RU" smtClean="0"/>
+              <a:rPr lang="ru-RU"/>
               <a:t>Второй уровень</a:t>
             </a:r>
           </a:p>
           <a:p>
             <a:pPr lvl="2"/>
             <a:r>
-              <a:rPr lang="ru-RU" smtClean="0"/>
+              <a:rPr lang="ru-RU"/>
               <a:t>Третий уровень</a:t>
             </a:r>
           </a:p>
           <a:p>
             <a:pPr lvl="3"/>
             <a:r>
-              <a:rPr lang="ru-RU" smtClean="0"/>
+              <a:rPr lang="ru-RU"/>
               <a:t>Четвертый уровень</a:t>
             </a:r>
           </a:p>
           <a:p>
             <a:pPr lvl="4"/>
             <a:r>
-              <a:rPr lang="ru-RU" smtClean="0"/>
+              <a:rPr lang="ru-RU"/>
               <a:t>Пятый уровень</a:t>
             </a:r>
-            <a:endParaRPr lang="ru-RU"/>
           </a:p>
         </p:txBody>
       </p:sp>
@@ -3168,7 +3146,7 @@
             <a:fld id="{B4C71EC6-210F-42DE-9C53-41977AD35B3D}" type="datetimeFigureOut">
               <a:rPr lang="ru-RU" smtClean="0"/>
               <a:pPr/>
-              <a:t>10.11.2021</a:t>
+              <a:t>24.05.2023</a:t>
             </a:fld>
             <a:endParaRPr lang="ru-RU"/>
           </a:p>
@@ -3748,13 +3726,6 @@
   <p:clrMapOvr>
     <a:masterClrMapping/>
   </p:clrMapOvr>
-  <p:timing>
-    <p:tnLst>
-      <p:par>
-        <p:cTn id="1" dur="indefinite" restart="never" nodeType="tmRoot"/>
-      </p:par>
-    </p:tnLst>
-  </p:timing>
 </p:sld>
 </file>
 
@@ -3807,7 +3778,7 @@
           <a:p>
             <a:pPr algn="l"/>
             <a:r>
-              <a:rPr lang="ru-RU" b="1" dirty="0" smtClean="0">
+              <a:rPr lang="ru-RU" b="1" dirty="0">
                 <a:ln w="19050">
                   <a:solidFill>
                     <a:schemeClr val="accent6">
@@ -4298,7 +4269,7 @@
                   <a:srgbClr val="002060"/>
                 </a:solidFill>
               </a:rPr>
-              <a:t>           }</a:t>
+              <a:t>        }</a:t>
             </a:r>
           </a:p>
           <a:p>
@@ -4720,13 +4691,6 @@
   <p:clrMapOvr>
     <a:masterClrMapping/>
   </p:clrMapOvr>
-  <p:timing>
-    <p:tnLst>
-      <p:par>
-        <p:cTn id="1" dur="indefinite" restart="never" nodeType="tmRoot"/>
-      </p:par>
-    </p:tnLst>
-  </p:timing>
 </p:sld>
 </file>
 
@@ -4781,7 +4745,7 @@
           <a:p>
             <a:pPr algn="l"/>
             <a:r>
-              <a:rPr lang="ru-RU" b="1" dirty="0" smtClean="0">
+              <a:rPr lang="ru-RU" b="1" dirty="0">
                 <a:ln w="19050">
                   <a:solidFill>
                     <a:schemeClr val="accent6">
@@ -4937,13 +4901,6 @@
   <p:clrMapOvr>
     <a:masterClrMapping/>
   </p:clrMapOvr>
-  <p:timing>
-    <p:tnLst>
-      <p:par>
-        <p:cTn id="1" dur="indefinite" restart="never" nodeType="tmRoot"/>
-      </p:par>
-    </p:tnLst>
-  </p:timing>
 </p:sld>
 </file>
 
@@ -4998,7 +4955,7 @@
           <a:p>
             <a:pPr algn="l"/>
             <a:r>
-              <a:rPr lang="ru-RU" b="1" dirty="0" smtClean="0">
+              <a:rPr lang="ru-RU" b="1" dirty="0">
                 <a:ln w="19050">
                   <a:solidFill>
                     <a:schemeClr val="accent6">
@@ -5043,7 +5000,7 @@
         <p:spPr>
           <a:xfrm>
             <a:off x="1847528" y="1187625"/>
-            <a:ext cx="9433048" cy="5154563"/>
+            <a:ext cx="9433048" cy="5625751"/>
           </a:xfrm>
         </p:spPr>
         <p:txBody>
@@ -5615,13 +5572,6 @@
   <p:clrMapOvr>
     <a:masterClrMapping/>
   </p:clrMapOvr>
-  <p:timing>
-    <p:tnLst>
-      <p:par>
-        <p:cTn id="1" dur="indefinite" restart="never" nodeType="tmRoot"/>
-      </p:par>
-    </p:tnLst>
-  </p:timing>
 </p:sld>
 </file>
 
@@ -5676,7 +5626,7 @@
           <a:p>
             <a:pPr algn="l"/>
             <a:r>
-              <a:rPr lang="ru-RU" b="1" dirty="0" smtClean="0">
+              <a:rPr lang="ru-RU" b="1" dirty="0">
                 <a:ln w="19050">
                   <a:solidFill>
                     <a:schemeClr val="accent6">
@@ -5734,7 +5684,7 @@
               <a:buNone/>
             </a:pPr>
             <a:r>
-              <a:rPr lang="ru-RU" b="1" dirty="0" smtClean="0"/>
+              <a:rPr lang="ru-RU" b="1" dirty="0"/>
               <a:t>Обменные сортировки предусматривают систематический обмен местами между элементами пар значений, в которых нарушена упорядоченность, до тех пор, пока таких элементов не останется.</a:t>
             </a:r>
           </a:p>
@@ -5743,7 +5693,7 @@
               <a:buNone/>
             </a:pPr>
             <a:r>
-              <a:rPr lang="ru-RU" b="1" i="1" dirty="0" smtClean="0">
+              <a:rPr lang="ru-RU" b="1" i="1" dirty="0">
                 <a:solidFill>
                   <a:srgbClr val="002060"/>
                 </a:solidFill>
@@ -5751,7 +5701,7 @@
               <a:t>Основной принцип</a:t>
             </a:r>
             <a:r>
-              <a:rPr lang="ru-RU" b="1" dirty="0" smtClean="0"/>
+              <a:rPr lang="ru-RU" b="1" dirty="0"/>
               <a:t>          если два элемента расположены неупорядоченно, то они меняются местами.</a:t>
             </a:r>
           </a:p>
@@ -5760,7 +5710,7 @@
               <a:buNone/>
             </a:pPr>
             <a:r>
-              <a:rPr lang="ru-RU" b="1" dirty="0" smtClean="0"/>
+              <a:rPr lang="ru-RU" b="1" dirty="0"/>
               <a:t>К обменным сортировкам относятся:</a:t>
             </a:r>
           </a:p>
@@ -5770,7 +5720,7 @@
               <a:buChar char="Ø"/>
             </a:pPr>
             <a:r>
-              <a:rPr lang="ru-RU" b="1" dirty="0" smtClean="0"/>
+              <a:rPr lang="ru-RU" b="1" dirty="0"/>
               <a:t> метод пузырькового всплытия;</a:t>
             </a:r>
           </a:p>
@@ -5780,7 +5730,7 @@
               <a:buChar char="Ø"/>
             </a:pPr>
             <a:r>
-              <a:rPr lang="ru-RU" b="1" dirty="0" smtClean="0"/>
+              <a:rPr lang="ru-RU" b="1" dirty="0"/>
               <a:t> быстрая сортировка (обменная сортировка с разделением);</a:t>
             </a:r>
           </a:p>
@@ -5790,7 +5740,7 @@
               <a:buChar char="Ø"/>
             </a:pPr>
             <a:r>
-              <a:rPr lang="ru-RU" b="1" dirty="0" smtClean="0"/>
+              <a:rPr lang="ru-RU" b="1" dirty="0"/>
               <a:t> обменная сортировка со слиянием;</a:t>
             </a:r>
           </a:p>
@@ -5800,7 +5750,7 @@
               <a:buChar char="Ø"/>
             </a:pPr>
             <a:r>
-              <a:rPr lang="ru-RU" b="1" dirty="0" smtClean="0"/>
+              <a:rPr lang="ru-RU" b="1" dirty="0"/>
               <a:t>поразрядная обменная сортировка.</a:t>
             </a:r>
           </a:p>
@@ -5854,13 +5804,6 @@
   <p:clrMapOvr>
     <a:masterClrMapping/>
   </p:clrMapOvr>
-  <p:timing>
-    <p:tnLst>
-      <p:par>
-        <p:cTn id="1" dur="indefinite" restart="never" nodeType="tmRoot"/>
-      </p:par>
-    </p:tnLst>
-  </p:timing>
 </p:sld>
 </file>
 
@@ -6008,7 +5951,7 @@
             <a:pPr marL="3138488" indent="0">
               <a:buNone/>
             </a:pPr>
-            <a:endParaRPr lang="ru-RU" b="1" dirty="0" smtClean="0"/>
+            <a:endParaRPr lang="ru-RU" b="1" dirty="0"/>
           </a:p>
         </p:txBody>
       </p:sp>
@@ -6065,13 +6008,6 @@
   <p:clrMapOvr>
     <a:masterClrMapping/>
   </p:clrMapOvr>
-  <p:timing>
-    <p:tnLst>
-      <p:par>
-        <p:cTn id="1" dur="indefinite" restart="never" nodeType="tmRoot"/>
-      </p:par>
-    </p:tnLst>
-  </p:timing>
 </p:sld>
 </file>
 
@@ -6126,7 +6062,7 @@
           <a:p>
             <a:pPr algn="l"/>
             <a:r>
-              <a:rPr lang="ru-RU" b="1" dirty="0" smtClean="0">
+              <a:rPr lang="ru-RU" b="1" dirty="0">
                 <a:ln w="19050">
                   <a:solidFill>
                     <a:schemeClr val="accent6">
@@ -6634,12 +6570,8 @@
               <a:buNone/>
             </a:pPr>
             <a:r>
-              <a:rPr lang="ru-RU" sz="4000" b="1" i="1" dirty="0" smtClean="0"/>
-              <a:t>         Визуализация </a:t>
-            </a:r>
-            <a:r>
               <a:rPr lang="ru-RU" sz="4000" b="1" i="1" dirty="0"/>
-              <a:t>сортировок </a:t>
+              <a:t>         Визуализация сортировок </a:t>
             </a:r>
             <a:endParaRPr lang="en-US" sz="4000" b="1" i="1" dirty="0"/>
           </a:p>
@@ -6780,13 +6712,6 @@
   <p:clrMapOvr>
     <a:masterClrMapping/>
   </p:clrMapOvr>
-  <p:timing>
-    <p:tnLst>
-      <p:par>
-        <p:cTn id="1" dur="indefinite" restart="never" nodeType="tmRoot"/>
-      </p:par>
-    </p:tnLst>
-  </p:timing>
 </p:sld>
 </file>
 
@@ -6898,15 +6823,15 @@
               <a:buNone/>
             </a:pPr>
             <a:r>
-              <a:rPr lang="ru-RU" b="1" dirty="0" smtClean="0"/>
+              <a:rPr lang="ru-RU" b="1" dirty="0"/>
               <a:t>Алгоритм двоичного поиска допустимо использовать для                      нахождения заданного элемента массива, упорядоченного по           </a:t>
             </a:r>
             <a:r>
-              <a:rPr lang="ru-RU" b="1" dirty="0" err="1" smtClean="0"/>
+              <a:rPr lang="ru-RU" b="1" dirty="0" err="1"/>
               <a:t>неубыванию</a:t>
             </a:r>
             <a:r>
-              <a:rPr lang="ru-RU" b="1" dirty="0" smtClean="0"/>
+              <a:rPr lang="ru-RU" b="1" dirty="0"/>
               <a:t>.</a:t>
             </a:r>
           </a:p>
@@ -6915,7 +6840,7 @@
               <a:buNone/>
             </a:pPr>
             <a:r>
-              <a:rPr lang="ru-RU" b="1" dirty="0" smtClean="0">
+              <a:rPr lang="ru-RU" b="1" dirty="0">
                 <a:solidFill>
                   <a:srgbClr val="800000"/>
                 </a:solidFill>
@@ -6929,7 +6854,7 @@
               <a:buChar char="Ø"/>
             </a:pPr>
             <a:r>
-              <a:rPr lang="ru-RU" b="1" dirty="0" smtClean="0"/>
+              <a:rPr lang="ru-RU" b="1" dirty="0"/>
               <a:t> Исходный массив делится пополам и для сравнения выбирается средний элемент.</a:t>
             </a:r>
           </a:p>
@@ -6939,7 +6864,7 @@
               <a:buChar char="Ø"/>
             </a:pPr>
             <a:r>
-              <a:rPr lang="ru-RU" b="1" dirty="0" smtClean="0"/>
+              <a:rPr lang="ru-RU" b="1" dirty="0"/>
               <a:t> Если он совпадает с искомым, то поиск заканчивается. </a:t>
             </a:r>
           </a:p>
@@ -6949,7 +6874,7 @@
               <a:buChar char="Ø"/>
             </a:pPr>
             <a:r>
-              <a:rPr lang="ru-RU" b="1" dirty="0" smtClean="0"/>
+              <a:rPr lang="ru-RU" b="1" dirty="0"/>
               <a:t> Если же средний элемент меньше искомого, то все элементы левее его также будут меньше искомого. Следовательно, поиск осуществляется в правой части массива. </a:t>
             </a:r>
           </a:p>
@@ -6959,7 +6884,7 @@
               <a:buChar char="Ø"/>
             </a:pPr>
             <a:r>
-              <a:rPr lang="ru-RU" b="1" dirty="0" smtClean="0"/>
+              <a:rPr lang="ru-RU" b="1" dirty="0"/>
               <a:t> Аналогично, если средний элемент больше искомого, то отбрасывается правая часть, а левая остается.</a:t>
             </a:r>
           </a:p>
@@ -6971,7 +6896,7 @@
               </a:tabLst>
             </a:pPr>
             <a:r>
-              <a:rPr lang="ru-RU" b="1" dirty="0" smtClean="0"/>
+              <a:rPr lang="ru-RU" b="1" dirty="0"/>
               <a:t>И так далее, пока или элемент будет найден, или длина зоны поиска станет равной нулю.  </a:t>
             </a:r>
           </a:p>
@@ -6980,7 +6905,7 @@
               <a:buNone/>
             </a:pPr>
             <a:r>
-              <a:rPr lang="ru-RU" b="1" dirty="0" smtClean="0"/>
+              <a:rPr lang="ru-RU" b="1" dirty="0"/>
               <a:t> </a:t>
             </a:r>
           </a:p>
@@ -7020,13 +6945,6 @@
   <p:clrMapOvr>
     <a:masterClrMapping/>
   </p:clrMapOvr>
-  <p:timing>
-    <p:tnLst>
-      <p:par>
-        <p:cTn id="1" dur="indefinite" restart="never" nodeType="tmRoot"/>
-      </p:par>
-    </p:tnLst>
-  </p:timing>
 </p:sld>
 </file>
 
@@ -7079,7 +6997,7 @@
           <a:p>
             <a:pPr algn="l"/>
             <a:r>
-              <a:rPr lang="ru-RU" b="1" dirty="0" smtClean="0">
+              <a:rPr lang="ru-RU" b="1" dirty="0">
                 <a:ln w="19050">
                   <a:solidFill>
                     <a:schemeClr val="accent6">
@@ -7143,7 +7061,7 @@
               <a:buNone/>
             </a:pPr>
             <a:r>
-              <a:rPr lang="en-US" sz="2000" b="1" i="1" dirty="0" smtClean="0">
+              <a:rPr lang="en-US" sz="2000" b="1" i="1" dirty="0">
                 <a:solidFill>
                   <a:srgbClr val="002060"/>
                 </a:solidFill>
@@ -7151,7 +7069,7 @@
               <a:t>b=Convert.ToInt32</a:t>
             </a:r>
             <a:r>
-              <a:rPr lang="ru-RU" sz="2000" b="1" i="1" dirty="0" smtClean="0">
+              <a:rPr lang="ru-RU" sz="2000" b="1" i="1" dirty="0">
                 <a:solidFill>
                   <a:srgbClr val="002060"/>
                 </a:solidFill>
@@ -7159,7 +7077,7 @@
               <a:t>(</a:t>
             </a:r>
             <a:r>
-              <a:rPr lang="en-US" sz="2000" b="1" i="1" dirty="0" err="1" smtClean="0">
+              <a:rPr lang="en-US" sz="2000" b="1" i="1" dirty="0" err="1">
                 <a:solidFill>
                   <a:srgbClr val="002060"/>
                 </a:solidFill>
@@ -7167,7 +7085,7 @@
               <a:t>Console.ReadLine</a:t>
             </a:r>
             <a:r>
-              <a:rPr lang="en-US" sz="2000" b="1" i="1" dirty="0" smtClean="0">
+              <a:rPr lang="en-US" sz="2000" b="1" i="1" dirty="0">
                 <a:solidFill>
                   <a:srgbClr val="002060"/>
                 </a:solidFill>
@@ -7175,7 +7093,7 @@
               <a:t> ()</a:t>
             </a:r>
             <a:r>
-              <a:rPr lang="ru-RU" sz="2000" b="1" i="1" dirty="0" smtClean="0">
+              <a:rPr lang="ru-RU" sz="2000" b="1" i="1" dirty="0">
                 <a:solidFill>
                   <a:srgbClr val="002060"/>
                 </a:solidFill>
@@ -7183,7 +7101,7 @@
               <a:t>)</a:t>
             </a:r>
             <a:r>
-              <a:rPr lang="en-US" sz="2000" b="1" i="1" dirty="0" smtClean="0">
+              <a:rPr lang="en-US" sz="2000" b="1" i="1" dirty="0">
                 <a:solidFill>
                   <a:srgbClr val="002060"/>
                 </a:solidFill>
@@ -7191,7 +7109,7 @@
               <a:t>;  </a:t>
             </a:r>
             <a:r>
-              <a:rPr lang="ru-RU" sz="2000" b="1" i="1" dirty="0" smtClean="0">
+              <a:rPr lang="ru-RU" sz="2000" b="1" i="1" dirty="0">
                 <a:solidFill>
                   <a:srgbClr val="002060"/>
                 </a:solidFill>
@@ -7199,7 +7117,7 @@
               <a:t>    </a:t>
             </a:r>
             <a:r>
-              <a:rPr lang="en-US" sz="2000" b="1" i="1" dirty="0" smtClean="0">
+              <a:rPr lang="en-US" sz="2000" b="1" i="1" dirty="0">
                 <a:solidFill>
                   <a:srgbClr val="002060"/>
                 </a:solidFill>
@@ -7263,23 +7181,7 @@
                   <a:srgbClr val="00B050"/>
                 </a:solidFill>
               </a:rPr>
-              <a:t>          </a:t>
-            </a:r>
-            <a:r>
-              <a:rPr lang="ru-RU" sz="2000" b="1" i="1" dirty="0" smtClean="0">
-                <a:solidFill>
-                  <a:srgbClr val="00B050"/>
-                </a:solidFill>
-              </a:rPr>
-              <a:t>                   </a:t>
-            </a:r>
-            <a:r>
-              <a:rPr lang="ru-RU" sz="2000" b="1" i="1" dirty="0">
-                <a:solidFill>
-                  <a:srgbClr val="00B050"/>
-                </a:solidFill>
-              </a:rPr>
-              <a:t>// левая граница</a:t>
+              <a:t>                             // левая граница</a:t>
             </a:r>
           </a:p>
           <a:p>
@@ -7306,15 +7208,7 @@
                   <a:srgbClr val="002060"/>
                 </a:solidFill>
               </a:rPr>
-              <a:t> R = n - 1;       </a:t>
-            </a:r>
-            <a:r>
-              <a:rPr lang="ru-RU" sz="2000" b="1" i="1" dirty="0" smtClean="0">
-                <a:solidFill>
-                  <a:srgbClr val="002060"/>
-                </a:solidFill>
-              </a:rPr>
-              <a:t>                 </a:t>
+              <a:t> R = n - 1;                        </a:t>
             </a:r>
             <a:r>
               <a:rPr lang="ru-RU" sz="2000" b="1" i="1" dirty="0">
@@ -7402,15 +7296,7 @@
                   <a:srgbClr val="002060"/>
                 </a:solidFill>
               </a:rPr>
-              <a:t> </a:t>
-            </a:r>
-            <a:r>
-              <a:rPr lang="ru-RU" sz="2000" b="1" i="1" dirty="0" smtClean="0">
-                <a:solidFill>
-                  <a:srgbClr val="002060"/>
-                </a:solidFill>
-              </a:rPr>
-              <a:t>             </a:t>
+              <a:t>              </a:t>
             </a:r>
             <a:r>
               <a:rPr lang="en-US" sz="2000" b="1" i="1" dirty="0">
@@ -7445,7 +7331,7 @@
               <a:buNone/>
             </a:pPr>
             <a:r>
-              <a:rPr lang="en-US" sz="2000" b="1" i="1" dirty="0" err="1" smtClean="0">
+              <a:rPr lang="en-US" sz="2000" b="1" i="1" dirty="0" err="1">
                 <a:solidFill>
                   <a:srgbClr val="002060"/>
                 </a:solidFill>
@@ -7453,20 +7339,12 @@
               <a:t>int</a:t>
             </a:r>
             <a:r>
-              <a:rPr lang="en-US" sz="2000" b="1" i="1" dirty="0" smtClean="0">
-                <a:solidFill>
-                  <a:srgbClr val="002060"/>
-                </a:solidFill>
-              </a:rPr>
-              <a:t> </a:t>
-            </a:r>
-            <a:r>
               <a:rPr lang="en-US" sz="2000" b="1" i="1" dirty="0">
                 <a:solidFill>
                   <a:srgbClr val="002060"/>
                 </a:solidFill>
               </a:rPr>
-              <a:t>F</a:t>
+              <a:t> F</a:t>
             </a:r>
             <a:r>
               <a:rPr lang="ru-RU" sz="2000" b="1" i="1" dirty="0">
@@ -7485,7 +7363,7 @@
               <a:t>;        </a:t>
             </a:r>
             <a:r>
-              <a:rPr lang="ru-RU" sz="2000" b="1" i="1" dirty="0" smtClean="0">
+              <a:rPr lang="ru-RU" sz="2000" b="1" i="1" dirty="0">
                 <a:solidFill>
                   <a:srgbClr val="002060"/>
                 </a:solidFill>
@@ -7493,7 +7371,7 @@
               <a:t>                   </a:t>
             </a:r>
             <a:r>
-              <a:rPr lang="en-US" sz="2000" b="1" i="1" dirty="0" smtClean="0">
+              <a:rPr lang="en-US" sz="2000" b="1" i="1" dirty="0">
                 <a:solidFill>
                   <a:srgbClr val="002060"/>
                 </a:solidFill>
@@ -7536,7 +7414,7 @@
               <a:t>W</a:t>
             </a:r>
             <a:r>
-              <a:rPr lang="ru-RU" sz="2000" b="1" i="1" dirty="0" err="1" smtClean="0">
+              <a:rPr lang="ru-RU" sz="2000" b="1" i="1" dirty="0" err="1">
                 <a:solidFill>
                   <a:srgbClr val="002060"/>
                 </a:solidFill>
@@ -7544,31 +7422,15 @@
               <a:t>hile</a:t>
             </a:r>
             <a:r>
-              <a:rPr lang="ru-RU" sz="2000" b="1" i="1" dirty="0" smtClean="0">
-                <a:solidFill>
-                  <a:srgbClr val="002060"/>
-                </a:solidFill>
-              </a:rPr>
-              <a:t> </a:t>
-            </a:r>
-            <a:r>
               <a:rPr lang="ru-RU" sz="2000" b="1" i="1" dirty="0">
                 <a:solidFill>
                   <a:srgbClr val="002060"/>
                 </a:solidFill>
               </a:rPr>
-              <a:t>(L</a:t>
-            </a:r>
-            <a:r>
-              <a:rPr lang="ru-RU" sz="2000" b="1" i="1" dirty="0" smtClean="0">
-                <a:solidFill>
-                  <a:srgbClr val="002060"/>
-                </a:solidFill>
-              </a:rPr>
-              <a:t>&lt;</a:t>
-            </a:r>
-            <a:r>
-              <a:rPr lang="en-US" sz="2000" b="1" i="1" dirty="0" smtClean="0">
+              <a:t> (L&lt;</a:t>
+            </a:r>
+            <a:r>
+              <a:rPr lang="en-US" sz="2000" b="1" i="1" dirty="0">
                 <a:solidFill>
                   <a:srgbClr val="002060"/>
                 </a:solidFill>
@@ -7576,18 +7438,13 @@
               <a:t>=</a:t>
             </a:r>
             <a:r>
-              <a:rPr lang="ru-RU" sz="2000" b="1" i="1" dirty="0" smtClean="0">
+              <a:rPr lang="ru-RU" sz="2000" b="1" i="1" dirty="0">
                 <a:solidFill>
                   <a:srgbClr val="002060"/>
                 </a:solidFill>
               </a:rPr>
               <a:t>R)</a:t>
             </a:r>
-            <a:endParaRPr lang="ru-RU" sz="2000" b="1" i="1" dirty="0">
-              <a:solidFill>
-                <a:srgbClr val="002060"/>
-              </a:solidFill>
-            </a:endParaRPr>
           </a:p>
           <a:p>
             <a:pPr marL="400050" lvl="1" indent="0" fontAlgn="base">
@@ -7778,11 +7635,6 @@
               </a:rPr>
               <a:t>              F=1; </a:t>
             </a:r>
-            <a:endParaRPr lang="en-US" sz="2000" b="1" i="1" dirty="0" smtClean="0">
-              <a:solidFill>
-                <a:srgbClr val="002060"/>
-              </a:solidFill>
-            </a:endParaRPr>
           </a:p>
           <a:p>
             <a:pPr marL="400050" lvl="1" indent="0" fontAlgn="base">
@@ -7795,18 +7647,13 @@
               <a:buNone/>
             </a:pPr>
             <a:r>
-              <a:rPr lang="en-US" sz="2000" b="1" i="1" dirty="0" smtClean="0">
+              <a:rPr lang="en-US" sz="2000" b="1" i="1" dirty="0">
                 <a:solidFill>
                   <a:srgbClr val="002060"/>
                 </a:solidFill>
               </a:rPr>
               <a:t>             Break;         </a:t>
             </a:r>
-            <a:endParaRPr lang="en-US" sz="2000" b="1" i="1" dirty="0">
-              <a:solidFill>
-                <a:srgbClr val="002060"/>
-              </a:solidFill>
-            </a:endParaRPr>
           </a:p>
           <a:p>
             <a:pPr marL="400050" lvl="1" indent="0" fontAlgn="base">
@@ -7840,15 +7687,7 @@
                   <a:srgbClr val="002060"/>
                 </a:solidFill>
               </a:rPr>
-              <a:t>  </a:t>
-            </a:r>
-            <a:r>
-              <a:rPr lang="en-US" sz="2000" b="1" i="1" dirty="0" smtClean="0">
-                <a:solidFill>
-                  <a:srgbClr val="002060"/>
-                </a:solidFill>
-              </a:rPr>
-              <a:t>}</a:t>
+              <a:t>  }</a:t>
             </a:r>
           </a:p>
           <a:p>
@@ -7862,18 +7701,13 @@
               <a:buNone/>
             </a:pPr>
             <a:r>
-              <a:rPr lang="en-US" sz="2000" b="1" i="1" dirty="0" smtClean="0">
+              <a:rPr lang="en-US" sz="2000" b="1" i="1" dirty="0">
                 <a:solidFill>
                   <a:srgbClr val="002060"/>
                 </a:solidFill>
               </a:rPr>
               <a:t>else</a:t>
             </a:r>
-            <a:endParaRPr lang="en-US" sz="2000" b="1" i="1" dirty="0">
-              <a:solidFill>
-                <a:srgbClr val="002060"/>
-              </a:solidFill>
-            </a:endParaRPr>
           </a:p>
           <a:p>
             <a:pPr marL="400050" lvl="1" indent="0" fontAlgn="base">
@@ -7998,18 +7832,10 @@
                   <a:srgbClr val="002060"/>
                 </a:solidFill>
               </a:rPr>
-              <a:t>           R = </a:t>
-            </a:r>
-            <a:r>
-              <a:rPr lang="en-US" sz="2000" b="1" i="1" dirty="0" smtClean="0">
-                <a:solidFill>
-                  <a:srgbClr val="002060"/>
-                </a:solidFill>
-              </a:rPr>
-              <a:t>k-1;</a:t>
-            </a:r>
-            <a:r>
-              <a:rPr lang="ru-RU" sz="2000" b="1" i="1" dirty="0" smtClean="0">
+              <a:t>           R = k-1;</a:t>
+            </a:r>
+            <a:r>
+              <a:rPr lang="ru-RU" sz="2000" b="1" i="1" dirty="0">
                 <a:solidFill>
                   <a:srgbClr val="002060"/>
                 </a:solidFill>
@@ -8240,13 +8066,6 @@
   <p:clrMapOvr>
     <a:masterClrMapping/>
   </p:clrMapOvr>
-  <p:timing>
-    <p:tnLst>
-      <p:par>
-        <p:cTn id="1" dur="indefinite" restart="never" nodeType="tmRoot"/>
-      </p:par>
-    </p:tnLst>
-  </p:timing>
 </p:sld>
 </file>
 
@@ -8398,7 +8217,7 @@
               <a:buNone/>
             </a:pPr>
             <a:r>
-              <a:rPr lang="ru-RU" b="1" dirty="0" smtClean="0"/>
+              <a:rPr lang="ru-RU" b="1" dirty="0"/>
               <a:t>                  Роберт </a:t>
             </a:r>
             <a:r>
@@ -8407,18 +8226,14 @@
             </a:r>
             <a:r>
               <a:rPr lang="ru-RU" b="1" dirty="0"/>
-              <a:t>, «Алфавитная таблица», </a:t>
-            </a:r>
-            <a:r>
-              <a:rPr lang="ru-RU" b="1" dirty="0" smtClean="0"/>
-              <a:t>1604 год</a:t>
+              <a:t>, «Алфавитная таблица», 1604 год</a:t>
             </a:r>
           </a:p>
           <a:p>
             <a:pPr marL="0" indent="0" fontAlgn="base">
               <a:buNone/>
             </a:pPr>
-            <a:endParaRPr lang="ru-RU" b="1" i="1" dirty="0" smtClean="0">
+            <a:endParaRPr lang="ru-RU" b="1" i="1" dirty="0">
               <a:solidFill>
                 <a:srgbClr val="002060"/>
               </a:solidFill>
@@ -8429,20 +8244,8 @@
               <a:buNone/>
             </a:pPr>
             <a:r>
-              <a:rPr lang="ru-RU" b="1" dirty="0" smtClean="0"/>
-              <a:t>«Алгоритмы </a:t>
-            </a:r>
-            <a:r>
               <a:rPr lang="ru-RU" b="1" dirty="0"/>
-              <a:t>для жизни. Простые способы принимать верные </a:t>
-            </a:r>
-            <a:r>
-              <a:rPr lang="ru-RU" b="1" dirty="0" smtClean="0"/>
-              <a:t>решения» - </a:t>
-            </a:r>
-            <a:r>
-              <a:rPr lang="ru-RU" b="1" dirty="0"/>
-              <a:t>Брайан </a:t>
+              <a:t>«Алгоритмы для жизни. Простые способы принимать верные решения» - Брайан </a:t>
             </a:r>
             <a:r>
               <a:rPr lang="ru-RU" b="1" dirty="0" err="1"/>
@@ -8450,11 +8253,7 @@
             </a:r>
             <a:r>
               <a:rPr lang="ru-RU" b="1" dirty="0"/>
-              <a:t> </a:t>
-            </a:r>
-            <a:r>
-              <a:rPr lang="ru-RU" b="1" dirty="0" smtClean="0"/>
-              <a:t>и Том </a:t>
+              <a:t> и Том </a:t>
             </a:r>
             <a:r>
               <a:rPr lang="ru-RU" b="1" dirty="0" err="1"/>
@@ -8570,13 +8369,6 @@
   <p:clrMapOvr>
     <a:masterClrMapping/>
   </p:clrMapOvr>
-  <p:timing>
-    <p:tnLst>
-      <p:par>
-        <p:cTn id="1" dur="indefinite" restart="never" nodeType="tmRoot"/>
-      </p:par>
-    </p:tnLst>
-  </p:timing>
 </p:sld>
 </file>
 
@@ -8634,27 +8426,7 @@
             </a:pPr>
             <a:r>
               <a:rPr lang="ru-RU" sz="2800" b="1" dirty="0"/>
-              <a:t>С</a:t>
-            </a:r>
-            <a:r>
-              <a:rPr lang="ru-RU" sz="2800" b="1" dirty="0" smtClean="0"/>
-              <a:t>ортировка - </a:t>
-            </a:r>
-            <a:r>
-              <a:rPr lang="ru-RU" sz="2800" b="1" dirty="0"/>
-              <a:t>неотъемлемая часть </a:t>
-            </a:r>
-            <a:r>
-              <a:rPr lang="ru-RU" sz="2800" b="1" dirty="0" smtClean="0"/>
-              <a:t>                                                      работы </a:t>
-            </a:r>
-            <a:r>
-              <a:rPr lang="ru-RU" sz="2800" b="1" dirty="0"/>
-              <a:t>практически с любым видом </a:t>
-            </a:r>
-            <a:r>
-              <a:rPr lang="ru-RU" sz="2800" b="1" dirty="0" smtClean="0"/>
-              <a:t>                                   информации:</a:t>
+              <a:t>Сортировка - неотъемлемая часть                                                       работы практически с любым видом                                    информации:</a:t>
             </a:r>
           </a:p>
           <a:p>
@@ -8663,24 +8435,8 @@
               <a:buChar char="Ø"/>
             </a:pPr>
             <a:r>
-              <a:rPr lang="ru-RU" sz="2800" b="1" dirty="0" smtClean="0"/>
-              <a:t>определение </a:t>
-            </a:r>
-            <a:r>
               <a:rPr lang="ru-RU" sz="2800" b="1" dirty="0"/>
-              <a:t>наибольшей или наименьшей величины, </a:t>
-            </a:r>
-            <a:r>
-              <a:rPr lang="ru-RU" sz="2800" b="1" dirty="0" smtClean="0"/>
-              <a:t>определение общего </a:t>
-            </a:r>
-            <a:r>
-              <a:rPr lang="ru-RU" sz="2800" b="1" dirty="0"/>
-              <a:t>или частного</a:t>
-            </a:r>
-            <a:r>
-              <a:rPr lang="ru-RU" sz="2800" b="1" dirty="0" smtClean="0"/>
-              <a:t>,</a:t>
+              <a:t>определение наибольшей или наименьшей величины, определение общего или частного,</a:t>
             </a:r>
           </a:p>
           <a:p>
@@ -8689,14 +8445,9 @@
               <a:buChar char="Ø"/>
             </a:pPr>
             <a:r>
-              <a:rPr lang="ru-RU" sz="2800" b="1" dirty="0" smtClean="0"/>
-              <a:t>суммирование</a:t>
-            </a:r>
-            <a:r>
               <a:rPr lang="ru-RU" sz="2800" b="1" dirty="0"/>
-              <a:t>, </a:t>
-            </a:r>
-            <a:endParaRPr lang="ru-RU" sz="2800" b="1" dirty="0" smtClean="0"/>
+              <a:t>суммирование, </a:t>
+            </a:r>
           </a:p>
           <a:p>
             <a:pPr>
@@ -8704,7 +8455,7 @@
               <a:buChar char="Ø"/>
             </a:pPr>
             <a:r>
-              <a:rPr lang="ru-RU" sz="2800" b="1" dirty="0" smtClean="0"/>
+              <a:rPr lang="ru-RU" sz="2800" b="1" dirty="0"/>
               <a:t>индексирование,</a:t>
             </a:r>
           </a:p>
@@ -8714,16 +8465,8 @@
               <a:buChar char="Ø"/>
             </a:pPr>
             <a:r>
-              <a:rPr lang="ru-RU" sz="2800" b="1" dirty="0" smtClean="0"/>
-              <a:t>выявление </a:t>
-            </a:r>
-            <a:r>
               <a:rPr lang="ru-RU" sz="2800" b="1" dirty="0"/>
-              <a:t>дублирующей </a:t>
-            </a:r>
-            <a:r>
-              <a:rPr lang="ru-RU" sz="2800" b="1" dirty="0" smtClean="0"/>
-              <a:t>информации,</a:t>
+              <a:t>выявление дублирующей информации,</a:t>
             </a:r>
           </a:p>
           <a:p>
@@ -8732,7 +8475,7 @@
               <a:buChar char="Ø"/>
             </a:pPr>
             <a:r>
-              <a:rPr lang="ru-RU" sz="2800" b="1" dirty="0" smtClean="0"/>
+              <a:rPr lang="ru-RU" sz="2800" b="1" dirty="0"/>
               <a:t>поиск  и т.д.</a:t>
             </a:r>
           </a:p>
@@ -8741,12 +8484,8 @@
               <a:buNone/>
             </a:pPr>
             <a:r>
-              <a:rPr lang="ru-RU" sz="2800" b="1" dirty="0" smtClean="0"/>
-              <a:t>Все алгоритмы начинаются </a:t>
-            </a:r>
-            <a:r>
               <a:rPr lang="ru-RU" sz="2800" b="1" dirty="0"/>
-              <a:t>с процесса сортировки.</a:t>
+              <a:t>Все алгоритмы начинаются с процесса сортировки.</a:t>
             </a:r>
           </a:p>
         </p:txBody>
@@ -8893,13 +8632,6 @@
   <p:clrMapOvr>
     <a:masterClrMapping/>
   </p:clrMapOvr>
-  <p:timing>
-    <p:tnLst>
-      <p:par>
-        <p:cTn id="1" dur="indefinite" restart="never" nodeType="tmRoot"/>
-      </p:par>
-    </p:tnLst>
-  </p:timing>
 </p:sld>
 </file>
 
@@ -9116,20 +8848,8 @@
               <a:buChar char="Ø"/>
             </a:pPr>
             <a:r>
-              <a:rPr lang="ru-RU" sz="2400" b="1" dirty="0" smtClean="0"/>
-              <a:t> построить </a:t>
-            </a:r>
-            <a:r>
               <a:rPr lang="ru-RU" sz="2400" b="1" dirty="0"/>
-              <a:t>гистограммы </a:t>
-            </a:r>
-            <a:r>
-              <a:rPr lang="ru-RU" sz="2400" b="1" dirty="0" smtClean="0"/>
-              <a:t> распределения </a:t>
-            </a:r>
-            <a:r>
-              <a:rPr lang="ru-RU" sz="2400" b="1" dirty="0"/>
-              <a:t>данных.</a:t>
+              <a:t> построить гистограммы  распределения данных.</a:t>
             </a:r>
           </a:p>
           <a:p>
@@ -9150,13 +8870,6 @@
   <p:clrMapOvr>
     <a:masterClrMapping/>
   </p:clrMapOvr>
-  <p:timing>
-    <p:tnLst>
-      <p:par>
-        <p:cTn id="1" dur="indefinite" restart="never" nodeType="tmRoot"/>
-      </p:par>
-    </p:tnLst>
-  </p:timing>
 </p:sld>
 </file>
 
@@ -9211,7 +8924,7 @@
           <a:p>
             <a:pPr algn="l"/>
             <a:r>
-              <a:rPr lang="ru-RU" b="1" dirty="0" smtClean="0">
+              <a:rPr lang="ru-RU" b="1" dirty="0">
                 <a:ln w="19050">
                   <a:solidFill>
                     <a:schemeClr val="accent6">
@@ -9240,7 +8953,7 @@
               <a:t>ОПРЕДЕЛЕНИЯ</a:t>
             </a:r>
             <a:br>
-              <a:rPr lang="ru-RU" b="1" dirty="0" smtClean="0">
+              <a:rPr lang="ru-RU" b="1" dirty="0">
                 <a:ln w="19050">
                   <a:solidFill>
                     <a:schemeClr val="accent6">
@@ -9300,12 +9013,8 @@
               <a:buNone/>
             </a:pPr>
             <a:r>
-              <a:rPr lang="ru-RU" sz="2400" b="1" dirty="0" smtClean="0"/>
-              <a:t>Любой</a:t>
-            </a:r>
-            <a:r>
               <a:rPr lang="ru-RU" sz="2400" b="1" dirty="0"/>
-              <a:t> </a:t>
+              <a:t>Любой </a:t>
             </a:r>
             <a:r>
               <a:rPr lang="ru-RU" sz="2400" b="1" i="1" dirty="0"/>
@@ -9448,13 +9157,6 @@
   <p:clrMapOvr>
     <a:masterClrMapping/>
   </p:clrMapOvr>
-  <p:timing>
-    <p:tnLst>
-      <p:par>
-        <p:cTn id="1" dur="indefinite" restart="never" nodeType="tmRoot"/>
-      </p:par>
-    </p:tnLst>
-  </p:timing>
 </p:sld>
 </file>
 
@@ -9566,20 +9268,12 @@
               <a:buNone/>
             </a:pPr>
             <a:r>
-              <a:rPr lang="ru-RU" sz="2400" b="1" i="1" dirty="0" smtClean="0">
+              <a:rPr lang="ru-RU" sz="2400" b="1" i="1" dirty="0">
                 <a:solidFill>
                   <a:srgbClr val="800000"/>
                 </a:solidFill>
               </a:rPr>
-              <a:t>Внутренняя </a:t>
-            </a:r>
-            <a:r>
-              <a:rPr lang="ru-RU" sz="2400" b="1" i="1" dirty="0">
-                <a:solidFill>
-                  <a:srgbClr val="800000"/>
-                </a:solidFill>
-              </a:rPr>
-              <a:t>сортировка</a:t>
+              <a:t>Внутренняя сортировка</a:t>
             </a:r>
             <a:r>
               <a:rPr lang="ru-RU" sz="2400" b="1" dirty="0"/>
@@ -9607,20 +9301,12 @@
               <a:buNone/>
             </a:pPr>
             <a:r>
-              <a:rPr lang="ru-RU" sz="2400" b="1" i="1" dirty="0" smtClean="0">
+              <a:rPr lang="ru-RU" sz="2400" b="1" i="1" dirty="0">
                 <a:solidFill>
                   <a:srgbClr val="800000"/>
                 </a:solidFill>
               </a:rPr>
-              <a:t>Внешняя </a:t>
-            </a:r>
-            <a:r>
-              <a:rPr lang="ru-RU" sz="2400" b="1" i="1" dirty="0">
-                <a:solidFill>
-                  <a:srgbClr val="800000"/>
-                </a:solidFill>
-              </a:rPr>
-              <a:t>сортировка</a:t>
+              <a:t>Внешняя сортировка</a:t>
             </a:r>
             <a:r>
               <a:rPr lang="ru-RU" sz="2400" b="1" dirty="0"/>
@@ -9698,15 +9384,7 @@
             </a:r>
             <a:r>
               <a:rPr lang="ru-RU" sz="2400" b="1" dirty="0"/>
-              <a:t> значительно эффективней внешней, </a:t>
-            </a:r>
-            <a:r>
-              <a:rPr lang="ru-RU" sz="2400" b="1" dirty="0" smtClean="0"/>
-              <a:t>так </a:t>
-            </a:r>
-            <a:r>
-              <a:rPr lang="ru-RU" sz="2400" b="1" dirty="0"/>
-              <a:t>как на обращение к оперативной памяти затрачивается    намного меньше времени, чем к носителям.</a:t>
+              <a:t> значительно эффективней внешней, так как на обращение к оперативной памяти затрачивается    намного меньше времени, чем к носителям.</a:t>
             </a:r>
           </a:p>
           <a:p>
@@ -9722,13 +9400,6 @@
   <p:clrMapOvr>
     <a:masterClrMapping/>
   </p:clrMapOvr>
-  <p:timing>
-    <p:tnLst>
-      <p:par>
-        <p:cTn id="1" dur="indefinite" restart="never" nodeType="tmRoot"/>
-      </p:par>
-    </p:tnLst>
-  </p:timing>
 </p:sld>
 </file>
 
@@ -9831,13 +9502,6 @@
   <p:clrMapOvr>
     <a:masterClrMapping/>
   </p:clrMapOvr>
-  <p:timing>
-    <p:tnLst>
-      <p:par>
-        <p:cTn id="1" dur="indefinite" restart="never" nodeType="tmRoot"/>
-      </p:par>
-    </p:tnLst>
-  </p:timing>
 </p:sld>
 </file>
 
@@ -9948,7 +9612,7 @@
             <a:pPr marL="0" indent="0">
               <a:buNone/>
             </a:pPr>
-            <a:endParaRPr lang="ru-RU" b="1" dirty="0" smtClean="0"/>
+            <a:endParaRPr lang="ru-RU" b="1" dirty="0"/>
           </a:p>
           <a:p>
             <a:pPr marL="0" indent="0">
@@ -9956,7 +9620,7 @@
               <a:buChar char="Ø"/>
             </a:pPr>
             <a:r>
-              <a:rPr lang="ru-RU" b="1" dirty="0" smtClean="0"/>
+              <a:rPr lang="ru-RU" b="1" dirty="0"/>
               <a:t> </a:t>
             </a:r>
             <a:r>
@@ -10062,13 +9726,6 @@
   <p:clrMapOvr>
     <a:masterClrMapping/>
   </p:clrMapOvr>
-  <p:timing>
-    <p:tnLst>
-      <p:par>
-        <p:cTn id="1" dur="indefinite" restart="never" nodeType="tmRoot"/>
-      </p:par>
-    </p:tnLst>
-  </p:timing>
 </p:sld>
 </file>
 
@@ -10123,7 +9780,7 @@
           <a:p>
             <a:pPr algn="l"/>
             <a:r>
-              <a:rPr lang="ru-RU" b="1" dirty="0" smtClean="0">
+              <a:rPr lang="ru-RU" b="1" dirty="0">
                 <a:ln w="19050">
                   <a:solidFill>
                     <a:schemeClr val="accent6">
@@ -10218,15 +9875,7 @@
             </a:pPr>
             <a:r>
               <a:rPr lang="ru-RU" sz="2800" b="1" dirty="0"/>
-              <a:t>На втором шаге находим элемент с минимальным значением на интервале от  </a:t>
-            </a:r>
-            <a:r>
-              <a:rPr lang="ru-RU" sz="2800" b="1" dirty="0" smtClean="0"/>
-              <a:t>2-го </a:t>
-            </a:r>
-            <a:r>
-              <a:rPr lang="ru-RU" sz="2800" b="1" dirty="0"/>
-              <a:t>до </a:t>
+              <a:t>На втором шаге находим элемент с минимальным значением на интервале от  2-го до </a:t>
             </a:r>
             <a:r>
               <a:rPr lang="en-US" sz="2800" b="1" dirty="0"/>
@@ -10234,15 +9883,7 @@
             </a:r>
             <a:r>
               <a:rPr lang="ru-RU" sz="2800" b="1" dirty="0"/>
-              <a:t>-го элемента и меняем его местами со вторым  </a:t>
-            </a:r>
-            <a:r>
-              <a:rPr lang="ru-RU" sz="2800" b="1" dirty="0" smtClean="0"/>
-              <a:t> </a:t>
-            </a:r>
-            <a:r>
-              <a:rPr lang="ru-RU" sz="2800" b="1" dirty="0"/>
-              <a:t>элементом.</a:t>
+              <a:t>-го элемента и меняем его местами со вторым   элементом.</a:t>
             </a:r>
           </a:p>
           <a:p>
@@ -10259,7 +9900,7 @@
               <a:buNone/>
             </a:pPr>
             <a:r>
-              <a:rPr lang="ru-RU" b="1" i="1" dirty="0" smtClean="0">
+              <a:rPr lang="ru-RU" b="1" i="1" dirty="0">
                 <a:solidFill>
                   <a:srgbClr val="800000"/>
                 </a:solidFill>
@@ -10330,13 +9971,6 @@
   <p:clrMapOvr>
     <a:masterClrMapping/>
   </p:clrMapOvr>
-  <p:timing>
-    <p:tnLst>
-      <p:par>
-        <p:cTn id="1" dur="indefinite" restart="never" nodeType="tmRoot"/>
-      </p:par>
-    </p:tnLst>
-  </p:timing>
 </p:sld>
 </file>
 
